--- a/builds/build-cold-board-mount-brackets.pptx
+++ b/builds/build-cold-board-mount-brackets.pptx
@@ -265,7 +265,7 @@
           <a:p>
             <a:fld id="{5F811E52-3D4F-4E16-8B1F-B643219BBCBB}" type="datetimeFigureOut">
               <a:rPr lang="en-US" smtClean="0"/>
-              <a:t>8/11/2024</a:t>
+              <a:t>8/12/2024</a:t>
             </a:fld>
             <a:endParaRPr lang="en-US"/>
           </a:p>
@@ -463,7 +463,7 @@
           <a:p>
             <a:fld id="{5F811E52-3D4F-4E16-8B1F-B643219BBCBB}" type="datetimeFigureOut">
               <a:rPr lang="en-US" smtClean="0"/>
-              <a:t>8/11/2024</a:t>
+              <a:t>8/12/2024</a:t>
             </a:fld>
             <a:endParaRPr lang="en-US"/>
           </a:p>
@@ -671,7 +671,7 @@
           <a:p>
             <a:fld id="{5F811E52-3D4F-4E16-8B1F-B643219BBCBB}" type="datetimeFigureOut">
               <a:rPr lang="en-US" smtClean="0"/>
-              <a:t>8/11/2024</a:t>
+              <a:t>8/12/2024</a:t>
             </a:fld>
             <a:endParaRPr lang="en-US"/>
           </a:p>
@@ -869,7 +869,7 @@
           <a:p>
             <a:fld id="{5F811E52-3D4F-4E16-8B1F-B643219BBCBB}" type="datetimeFigureOut">
               <a:rPr lang="en-US" smtClean="0"/>
-              <a:t>8/11/2024</a:t>
+              <a:t>8/12/2024</a:t>
             </a:fld>
             <a:endParaRPr lang="en-US"/>
           </a:p>
@@ -1144,7 +1144,7 @@
           <a:p>
             <a:fld id="{5F811E52-3D4F-4E16-8B1F-B643219BBCBB}" type="datetimeFigureOut">
               <a:rPr lang="en-US" smtClean="0"/>
-              <a:t>8/11/2024</a:t>
+              <a:t>8/12/2024</a:t>
             </a:fld>
             <a:endParaRPr lang="en-US"/>
           </a:p>
@@ -1409,7 +1409,7 @@
           <a:p>
             <a:fld id="{5F811E52-3D4F-4E16-8B1F-B643219BBCBB}" type="datetimeFigureOut">
               <a:rPr lang="en-US" smtClean="0"/>
-              <a:t>8/11/2024</a:t>
+              <a:t>8/12/2024</a:t>
             </a:fld>
             <a:endParaRPr lang="en-US"/>
           </a:p>
@@ -1821,7 +1821,7 @@
           <a:p>
             <a:fld id="{5F811E52-3D4F-4E16-8B1F-B643219BBCBB}" type="datetimeFigureOut">
               <a:rPr lang="en-US" smtClean="0"/>
-              <a:t>8/11/2024</a:t>
+              <a:t>8/12/2024</a:t>
             </a:fld>
             <a:endParaRPr lang="en-US"/>
           </a:p>
@@ -1962,7 +1962,7 @@
           <a:p>
             <a:fld id="{5F811E52-3D4F-4E16-8B1F-B643219BBCBB}" type="datetimeFigureOut">
               <a:rPr lang="en-US" smtClean="0"/>
-              <a:t>8/11/2024</a:t>
+              <a:t>8/12/2024</a:t>
             </a:fld>
             <a:endParaRPr lang="en-US"/>
           </a:p>
@@ -2075,7 +2075,7 @@
           <a:p>
             <a:fld id="{5F811E52-3D4F-4E16-8B1F-B643219BBCBB}" type="datetimeFigureOut">
               <a:rPr lang="en-US" smtClean="0"/>
-              <a:t>8/11/2024</a:t>
+              <a:t>8/12/2024</a:t>
             </a:fld>
             <a:endParaRPr lang="en-US"/>
           </a:p>
@@ -2386,7 +2386,7 @@
           <a:p>
             <a:fld id="{5F811E52-3D4F-4E16-8B1F-B643219BBCBB}" type="datetimeFigureOut">
               <a:rPr lang="en-US" smtClean="0"/>
-              <a:t>8/11/2024</a:t>
+              <a:t>8/12/2024</a:t>
             </a:fld>
             <a:endParaRPr lang="en-US"/>
           </a:p>
@@ -2674,7 +2674,7 @@
           <a:p>
             <a:fld id="{5F811E52-3D4F-4E16-8B1F-B643219BBCBB}" type="datetimeFigureOut">
               <a:rPr lang="en-US" smtClean="0"/>
-              <a:t>8/11/2024</a:t>
+              <a:t>8/12/2024</a:t>
             </a:fld>
             <a:endParaRPr lang="en-US"/>
           </a:p>
@@ -2915,7 +2915,7 @@
           <a:p>
             <a:fld id="{5F811E52-3D4F-4E16-8B1F-B643219BBCBB}" type="datetimeFigureOut">
               <a:rPr lang="en-US" smtClean="0"/>
-              <a:t>8/11/2024</a:t>
+              <a:t>8/12/2024</a:t>
             </a:fld>
             <a:endParaRPr lang="en-US"/>
           </a:p>
@@ -3550,8 +3550,712 @@
         </p:blipFill>
         <p:spPr>
           <a:xfrm>
-            <a:off x="1512402" y="266330"/>
+            <a:off x="3989982" y="171674"/>
             <a:ext cx="3357350" cy="6514651"/>
+          </a:xfrm>
+          <a:prstGeom prst="rect">
+            <a:avLst/>
+          </a:prstGeom>
+        </p:spPr>
+      </p:pic>
+      <p:sp>
+        <p:nvSpPr>
+          <p:cNvPr id="3" name="TextBox 2">
+            <a:extLst>
+              <a:ext uri="{FF2B5EF4-FFF2-40B4-BE49-F238E27FC236}">
+                <a16:creationId xmlns:a16="http://schemas.microsoft.com/office/drawing/2014/main" id="{4167CFA3-3FF5-DF68-1060-A3FF31D5AB37}"/>
+              </a:ext>
+            </a:extLst>
+          </p:cNvPr>
+          <p:cNvSpPr txBox="1"/>
+          <p:nvPr/>
+        </p:nvSpPr>
+        <p:spPr>
+          <a:xfrm>
+            <a:off x="0" y="3507847"/>
+            <a:ext cx="6094520" cy="369332"/>
+          </a:xfrm>
+          <a:prstGeom prst="rect">
+            <a:avLst/>
+          </a:prstGeom>
+          <a:noFill/>
+        </p:spPr>
+        <p:txBody>
+          <a:bodyPr wrap="square">
+            <a:spAutoFit/>
+          </a:bodyPr>
+          <a:lstStyle/>
+          <a:p>
+            <a:r>
+              <a:rPr lang="en-US" dirty="0">
+                <a:hlinkClick r:id="rId3"/>
+              </a:rPr>
+              <a:t>https://www.mcmaster.com/92700A103/</a:t>
+            </a:r>
+            <a:r>
+              <a:rPr lang="en-US" dirty="0"/>
+              <a:t> </a:t>
+            </a:r>
+          </a:p>
+        </p:txBody>
+      </p:sp>
+      <p:sp>
+        <p:nvSpPr>
+          <p:cNvPr id="6" name="TextBox 5">
+            <a:extLst>
+              <a:ext uri="{FF2B5EF4-FFF2-40B4-BE49-F238E27FC236}">
+                <a16:creationId xmlns:a16="http://schemas.microsoft.com/office/drawing/2014/main" id="{46FA1B0C-69A5-198F-D39E-AA173DA31EB5}"/>
+              </a:ext>
+            </a:extLst>
+          </p:cNvPr>
+          <p:cNvSpPr txBox="1"/>
+          <p:nvPr/>
+        </p:nvSpPr>
+        <p:spPr>
+          <a:xfrm>
+            <a:off x="7526082" y="5145548"/>
+            <a:ext cx="4183800" cy="369332"/>
+          </a:xfrm>
+          <a:prstGeom prst="rect">
+            <a:avLst/>
+          </a:prstGeom>
+          <a:noFill/>
+        </p:spPr>
+        <p:txBody>
+          <a:bodyPr wrap="square">
+            <a:spAutoFit/>
+          </a:bodyPr>
+          <a:lstStyle/>
+          <a:p>
+            <a:r>
+              <a:rPr lang="en-US" dirty="0">
+                <a:hlinkClick r:id="rId4"/>
+              </a:rPr>
+              <a:t>https://www.mcmaster.com/92700A466/</a:t>
+            </a:r>
+            <a:r>
+              <a:rPr lang="en-US" dirty="0"/>
+              <a:t> </a:t>
+            </a:r>
+          </a:p>
+        </p:txBody>
+      </p:sp>
+      <p:sp>
+        <p:nvSpPr>
+          <p:cNvPr id="8" name="TextBox 7">
+            <a:extLst>
+              <a:ext uri="{FF2B5EF4-FFF2-40B4-BE49-F238E27FC236}">
+                <a16:creationId xmlns:a16="http://schemas.microsoft.com/office/drawing/2014/main" id="{48E77A85-04BC-617C-F7DF-A719586F462E}"/>
+              </a:ext>
+            </a:extLst>
+          </p:cNvPr>
+          <p:cNvSpPr txBox="1"/>
+          <p:nvPr/>
+        </p:nvSpPr>
+        <p:spPr>
+          <a:xfrm>
+            <a:off x="8109800" y="736263"/>
+            <a:ext cx="4183800" cy="369332"/>
+          </a:xfrm>
+          <a:prstGeom prst="rect">
+            <a:avLst/>
+          </a:prstGeom>
+          <a:noFill/>
+        </p:spPr>
+        <p:txBody>
+          <a:bodyPr wrap="square">
+            <a:spAutoFit/>
+          </a:bodyPr>
+          <a:lstStyle/>
+          <a:p>
+            <a:r>
+              <a:rPr lang="en-US" dirty="0">
+                <a:hlinkClick r:id="rId3"/>
+              </a:rPr>
+              <a:t>https://www.mcmaster.com/92700A103/</a:t>
+            </a:r>
+            <a:r>
+              <a:rPr lang="en-US" dirty="0"/>
+              <a:t> </a:t>
+            </a:r>
+          </a:p>
+        </p:txBody>
+      </p:sp>
+      <p:cxnSp>
+        <p:nvCxnSpPr>
+          <p:cNvPr id="10" name="Straight Arrow Connector 9">
+            <a:extLst>
+              <a:ext uri="{FF2B5EF4-FFF2-40B4-BE49-F238E27FC236}">
+                <a16:creationId xmlns:a16="http://schemas.microsoft.com/office/drawing/2014/main" id="{0A149C18-5C63-35CA-1370-2471CC476831}"/>
+              </a:ext>
+            </a:extLst>
+          </p:cNvPr>
+          <p:cNvCxnSpPr>
+            <a:cxnSpLocks/>
+          </p:cNvCxnSpPr>
+          <p:nvPr/>
+        </p:nvCxnSpPr>
+        <p:spPr>
+          <a:xfrm flipH="1">
+            <a:off x="6094520" y="1105595"/>
+            <a:ext cx="2248960" cy="1084103"/>
+          </a:xfrm>
+          <a:prstGeom prst="straightConnector1">
+            <a:avLst/>
+          </a:prstGeom>
+          <a:ln w="50800">
+            <a:solidFill>
+              <a:schemeClr val="tx1"/>
+            </a:solidFill>
+            <a:tailEnd type="triangle"/>
+          </a:ln>
+        </p:spPr>
+        <p:style>
+          <a:lnRef idx="1">
+            <a:schemeClr val="accent1"/>
+          </a:lnRef>
+          <a:fillRef idx="0">
+            <a:schemeClr val="accent1"/>
+          </a:fillRef>
+          <a:effectRef idx="0">
+            <a:schemeClr val="accent1"/>
+          </a:effectRef>
+          <a:fontRef idx="minor">
+            <a:schemeClr val="tx1"/>
+          </a:fontRef>
+        </p:style>
+      </p:cxnSp>
+      <p:cxnSp>
+        <p:nvCxnSpPr>
+          <p:cNvPr id="12" name="Straight Arrow Connector 11">
+            <a:extLst>
+              <a:ext uri="{FF2B5EF4-FFF2-40B4-BE49-F238E27FC236}">
+                <a16:creationId xmlns:a16="http://schemas.microsoft.com/office/drawing/2014/main" id="{04F059E9-5B2E-9CE1-9626-ADCA09B8BC18}"/>
+              </a:ext>
+            </a:extLst>
+          </p:cNvPr>
+          <p:cNvCxnSpPr>
+            <a:cxnSpLocks/>
+          </p:cNvCxnSpPr>
+          <p:nvPr/>
+        </p:nvCxnSpPr>
+        <p:spPr>
+          <a:xfrm flipH="1">
+            <a:off x="6622654" y="1290261"/>
+            <a:ext cx="1810146" cy="1798875"/>
+          </a:xfrm>
+          <a:prstGeom prst="straightConnector1">
+            <a:avLst/>
+          </a:prstGeom>
+          <a:ln w="50800">
+            <a:solidFill>
+              <a:schemeClr val="tx1"/>
+            </a:solidFill>
+            <a:tailEnd type="triangle"/>
+          </a:ln>
+        </p:spPr>
+        <p:style>
+          <a:lnRef idx="1">
+            <a:schemeClr val="accent1"/>
+          </a:lnRef>
+          <a:fillRef idx="0">
+            <a:schemeClr val="accent1"/>
+          </a:fillRef>
+          <a:effectRef idx="0">
+            <a:schemeClr val="accent1"/>
+          </a:effectRef>
+          <a:fontRef idx="minor">
+            <a:schemeClr val="tx1"/>
+          </a:fontRef>
+        </p:style>
+      </p:cxnSp>
+      <p:cxnSp>
+        <p:nvCxnSpPr>
+          <p:cNvPr id="14" name="Straight Arrow Connector 13">
+            <a:extLst>
+              <a:ext uri="{FF2B5EF4-FFF2-40B4-BE49-F238E27FC236}">
+                <a16:creationId xmlns:a16="http://schemas.microsoft.com/office/drawing/2014/main" id="{3FA0AF4C-2F40-FF25-54E7-AFB72876C4EA}"/>
+              </a:ext>
+            </a:extLst>
+          </p:cNvPr>
+          <p:cNvCxnSpPr>
+            <a:cxnSpLocks/>
+          </p:cNvCxnSpPr>
+          <p:nvPr/>
+        </p:nvCxnSpPr>
+        <p:spPr>
+          <a:xfrm flipH="1">
+            <a:off x="6612784" y="1442518"/>
+            <a:ext cx="1826596" cy="2601162"/>
+          </a:xfrm>
+          <a:prstGeom prst="straightConnector1">
+            <a:avLst/>
+          </a:prstGeom>
+          <a:ln w="50800">
+            <a:solidFill>
+              <a:schemeClr val="tx1"/>
+            </a:solidFill>
+            <a:tailEnd type="triangle"/>
+          </a:ln>
+        </p:spPr>
+        <p:style>
+          <a:lnRef idx="1">
+            <a:schemeClr val="accent1"/>
+          </a:lnRef>
+          <a:fillRef idx="0">
+            <a:schemeClr val="accent1"/>
+          </a:fillRef>
+          <a:effectRef idx="0">
+            <a:schemeClr val="accent1"/>
+          </a:effectRef>
+          <a:fontRef idx="minor">
+            <a:schemeClr val="tx1"/>
+          </a:fontRef>
+        </p:style>
+      </p:cxnSp>
+      <p:cxnSp>
+        <p:nvCxnSpPr>
+          <p:cNvPr id="21" name="Straight Arrow Connector 20">
+            <a:extLst>
+              <a:ext uri="{FF2B5EF4-FFF2-40B4-BE49-F238E27FC236}">
+                <a16:creationId xmlns:a16="http://schemas.microsoft.com/office/drawing/2014/main" id="{ED2C183D-7599-9FC8-09F2-23BC7A066C26}"/>
+              </a:ext>
+            </a:extLst>
+          </p:cNvPr>
+          <p:cNvCxnSpPr>
+            <a:cxnSpLocks/>
+          </p:cNvCxnSpPr>
+          <p:nvPr/>
+        </p:nvCxnSpPr>
+        <p:spPr>
+          <a:xfrm flipV="1">
+            <a:off x="3989982" y="2661920"/>
+            <a:ext cx="781751" cy="885239"/>
+          </a:xfrm>
+          <a:prstGeom prst="straightConnector1">
+            <a:avLst/>
+          </a:prstGeom>
+          <a:ln w="50800">
+            <a:solidFill>
+              <a:schemeClr val="tx1"/>
+            </a:solidFill>
+            <a:tailEnd type="triangle"/>
+          </a:ln>
+        </p:spPr>
+        <p:style>
+          <a:lnRef idx="1">
+            <a:schemeClr val="accent1"/>
+          </a:lnRef>
+          <a:fillRef idx="0">
+            <a:schemeClr val="accent1"/>
+          </a:fillRef>
+          <a:effectRef idx="0">
+            <a:schemeClr val="accent1"/>
+          </a:effectRef>
+          <a:fontRef idx="minor">
+            <a:schemeClr val="tx1"/>
+          </a:fontRef>
+        </p:style>
+      </p:cxnSp>
+      <p:cxnSp>
+        <p:nvCxnSpPr>
+          <p:cNvPr id="25" name="Straight Arrow Connector 24">
+            <a:extLst>
+              <a:ext uri="{FF2B5EF4-FFF2-40B4-BE49-F238E27FC236}">
+                <a16:creationId xmlns:a16="http://schemas.microsoft.com/office/drawing/2014/main" id="{5E6C61C3-4731-43AD-675B-3A1BF040BC3D}"/>
+              </a:ext>
+            </a:extLst>
+          </p:cNvPr>
+          <p:cNvCxnSpPr>
+            <a:cxnSpLocks/>
+          </p:cNvCxnSpPr>
+          <p:nvPr/>
+        </p:nvCxnSpPr>
+        <p:spPr>
+          <a:xfrm flipV="1">
+            <a:off x="3983402" y="3038782"/>
+            <a:ext cx="1353441" cy="673219"/>
+          </a:xfrm>
+          <a:prstGeom prst="straightConnector1">
+            <a:avLst/>
+          </a:prstGeom>
+          <a:ln w="50800">
+            <a:solidFill>
+              <a:schemeClr val="tx1"/>
+            </a:solidFill>
+            <a:tailEnd type="triangle"/>
+          </a:ln>
+        </p:spPr>
+        <p:style>
+          <a:lnRef idx="1">
+            <a:schemeClr val="accent1"/>
+          </a:lnRef>
+          <a:fillRef idx="0">
+            <a:schemeClr val="accent1"/>
+          </a:fillRef>
+          <a:effectRef idx="0">
+            <a:schemeClr val="accent1"/>
+          </a:effectRef>
+          <a:fontRef idx="minor">
+            <a:schemeClr val="tx1"/>
+          </a:fontRef>
+        </p:style>
+      </p:cxnSp>
+      <p:cxnSp>
+        <p:nvCxnSpPr>
+          <p:cNvPr id="29" name="Straight Arrow Connector 28">
+            <a:extLst>
+              <a:ext uri="{FF2B5EF4-FFF2-40B4-BE49-F238E27FC236}">
+                <a16:creationId xmlns:a16="http://schemas.microsoft.com/office/drawing/2014/main" id="{CB9F3D3C-588A-A33B-E83E-71F4B5EA8F53}"/>
+              </a:ext>
+            </a:extLst>
+          </p:cNvPr>
+          <p:cNvCxnSpPr>
+            <a:cxnSpLocks/>
+          </p:cNvCxnSpPr>
+          <p:nvPr/>
+        </p:nvCxnSpPr>
+        <p:spPr>
+          <a:xfrm flipH="1" flipV="1">
+            <a:off x="6602624" y="4805680"/>
+            <a:ext cx="913298" cy="463574"/>
+          </a:xfrm>
+          <a:prstGeom prst="straightConnector1">
+            <a:avLst/>
+          </a:prstGeom>
+          <a:ln w="50800">
+            <a:solidFill>
+              <a:schemeClr val="tx1"/>
+            </a:solidFill>
+            <a:tailEnd type="triangle"/>
+          </a:ln>
+        </p:spPr>
+        <p:style>
+          <a:lnRef idx="1">
+            <a:schemeClr val="accent1"/>
+          </a:lnRef>
+          <a:fillRef idx="0">
+            <a:schemeClr val="accent1"/>
+          </a:fillRef>
+          <a:effectRef idx="0">
+            <a:schemeClr val="accent1"/>
+          </a:effectRef>
+          <a:fontRef idx="minor">
+            <a:schemeClr val="tx1"/>
+          </a:fontRef>
+        </p:style>
+      </p:cxnSp>
+      <p:cxnSp>
+        <p:nvCxnSpPr>
+          <p:cNvPr id="32" name="Straight Arrow Connector 31">
+            <a:extLst>
+              <a:ext uri="{FF2B5EF4-FFF2-40B4-BE49-F238E27FC236}">
+                <a16:creationId xmlns:a16="http://schemas.microsoft.com/office/drawing/2014/main" id="{39B1AAC2-51B6-4755-0568-7352AA12B7CC}"/>
+              </a:ext>
+            </a:extLst>
+          </p:cNvPr>
+          <p:cNvCxnSpPr>
+            <a:cxnSpLocks/>
+          </p:cNvCxnSpPr>
+          <p:nvPr/>
+        </p:nvCxnSpPr>
+        <p:spPr>
+          <a:xfrm flipH="1">
+            <a:off x="6622654" y="5396307"/>
+            <a:ext cx="913298" cy="621108"/>
+          </a:xfrm>
+          <a:prstGeom prst="straightConnector1">
+            <a:avLst/>
+          </a:prstGeom>
+          <a:ln w="50800">
+            <a:solidFill>
+              <a:schemeClr val="tx1"/>
+            </a:solidFill>
+            <a:tailEnd type="triangle"/>
+          </a:ln>
+        </p:spPr>
+        <p:style>
+          <a:lnRef idx="1">
+            <a:schemeClr val="accent1"/>
+          </a:lnRef>
+          <a:fillRef idx="0">
+            <a:schemeClr val="accent1"/>
+          </a:fillRef>
+          <a:effectRef idx="0">
+            <a:schemeClr val="accent1"/>
+          </a:effectRef>
+          <a:fontRef idx="minor">
+            <a:schemeClr val="tx1"/>
+          </a:fontRef>
+        </p:style>
+      </p:cxnSp>
+      <p:cxnSp>
+        <p:nvCxnSpPr>
+          <p:cNvPr id="34" name="Straight Arrow Connector 33">
+            <a:extLst>
+              <a:ext uri="{FF2B5EF4-FFF2-40B4-BE49-F238E27FC236}">
+                <a16:creationId xmlns:a16="http://schemas.microsoft.com/office/drawing/2014/main" id="{84723D16-B736-D41D-3D9A-DC4F52CE771B}"/>
+              </a:ext>
+            </a:extLst>
+          </p:cNvPr>
+          <p:cNvCxnSpPr>
+            <a:cxnSpLocks/>
+          </p:cNvCxnSpPr>
+          <p:nvPr/>
+        </p:nvCxnSpPr>
+        <p:spPr>
+          <a:xfrm>
+            <a:off x="3890722" y="3925332"/>
+            <a:ext cx="858776" cy="2488935"/>
+          </a:xfrm>
+          <a:prstGeom prst="straightConnector1">
+            <a:avLst/>
+          </a:prstGeom>
+          <a:ln w="50800">
+            <a:solidFill>
+              <a:schemeClr val="tx1"/>
+            </a:solidFill>
+            <a:tailEnd type="triangle"/>
+          </a:ln>
+        </p:spPr>
+        <p:style>
+          <a:lnRef idx="1">
+            <a:schemeClr val="accent1"/>
+          </a:lnRef>
+          <a:fillRef idx="0">
+            <a:schemeClr val="accent1"/>
+          </a:fillRef>
+          <a:effectRef idx="0">
+            <a:schemeClr val="accent1"/>
+          </a:effectRef>
+          <a:fontRef idx="minor">
+            <a:schemeClr val="tx1"/>
+          </a:fontRef>
+        </p:style>
+      </p:cxnSp>
+      <p:sp>
+        <p:nvSpPr>
+          <p:cNvPr id="36" name="TextBox 35">
+            <a:extLst>
+              <a:ext uri="{FF2B5EF4-FFF2-40B4-BE49-F238E27FC236}">
+                <a16:creationId xmlns:a16="http://schemas.microsoft.com/office/drawing/2014/main" id="{74461419-CA05-9B71-EFC5-055A5D90120E}"/>
+              </a:ext>
+            </a:extLst>
+          </p:cNvPr>
+          <p:cNvSpPr txBox="1"/>
+          <p:nvPr/>
+        </p:nvSpPr>
+        <p:spPr>
+          <a:xfrm>
+            <a:off x="3046156" y="268948"/>
+            <a:ext cx="2346960" cy="369332"/>
+          </a:xfrm>
+          <a:prstGeom prst="rect">
+            <a:avLst/>
+          </a:prstGeom>
+          <a:noFill/>
+        </p:spPr>
+        <p:txBody>
+          <a:bodyPr wrap="square" rtlCol="0">
+            <a:spAutoFit/>
+          </a:bodyPr>
+          <a:lstStyle/>
+          <a:p>
+            <a:r>
+              <a:rPr lang="en-US" dirty="0"/>
+              <a:t>H Bracket</a:t>
+            </a:r>
+          </a:p>
+        </p:txBody>
+      </p:sp>
+      <p:sp>
+        <p:nvSpPr>
+          <p:cNvPr id="37" name="TextBox 36">
+            <a:extLst>
+              <a:ext uri="{FF2B5EF4-FFF2-40B4-BE49-F238E27FC236}">
+                <a16:creationId xmlns:a16="http://schemas.microsoft.com/office/drawing/2014/main" id="{2588DF92-F3AE-BCD2-FBB6-DE8A2E62E941}"/>
+              </a:ext>
+            </a:extLst>
+          </p:cNvPr>
+          <p:cNvSpPr txBox="1"/>
+          <p:nvPr/>
+        </p:nvSpPr>
+        <p:spPr>
+          <a:xfrm>
+            <a:off x="4344960" y="1146657"/>
+            <a:ext cx="2346960" cy="369332"/>
+          </a:xfrm>
+          <a:prstGeom prst="rect">
+            <a:avLst/>
+          </a:prstGeom>
+          <a:noFill/>
+        </p:spPr>
+        <p:txBody>
+          <a:bodyPr wrap="square" rtlCol="0">
+            <a:spAutoFit/>
+          </a:bodyPr>
+          <a:lstStyle/>
+          <a:p>
+            <a:r>
+              <a:rPr lang="en-US" dirty="0"/>
+              <a:t>Standoff</a:t>
+            </a:r>
+          </a:p>
+        </p:txBody>
+      </p:sp>
+      <p:sp>
+        <p:nvSpPr>
+          <p:cNvPr id="40" name="TextBox 39">
+            <a:extLst>
+              <a:ext uri="{FF2B5EF4-FFF2-40B4-BE49-F238E27FC236}">
+                <a16:creationId xmlns:a16="http://schemas.microsoft.com/office/drawing/2014/main" id="{077A762E-942F-E29C-21C3-7A4E8875DAC6}"/>
+              </a:ext>
+            </a:extLst>
+          </p:cNvPr>
+          <p:cNvSpPr txBox="1"/>
+          <p:nvPr/>
+        </p:nvSpPr>
+        <p:spPr>
+          <a:xfrm>
+            <a:off x="4771733" y="5243931"/>
+            <a:ext cx="2346960" cy="369332"/>
+          </a:xfrm>
+          <a:prstGeom prst="rect">
+            <a:avLst/>
+          </a:prstGeom>
+          <a:noFill/>
+        </p:spPr>
+        <p:txBody>
+          <a:bodyPr wrap="square" rtlCol="0">
+            <a:spAutoFit/>
+          </a:bodyPr>
+          <a:lstStyle/>
+          <a:p>
+            <a:r>
+              <a:rPr lang="en-US" dirty="0"/>
+              <a:t>Center  block v2</a:t>
+            </a:r>
+          </a:p>
+        </p:txBody>
+      </p:sp>
+      <p:sp>
+        <p:nvSpPr>
+          <p:cNvPr id="41" name="TextBox 40">
+            <a:extLst>
+              <a:ext uri="{FF2B5EF4-FFF2-40B4-BE49-F238E27FC236}">
+                <a16:creationId xmlns:a16="http://schemas.microsoft.com/office/drawing/2014/main" id="{E951BD2D-4D38-0AA5-0C15-DEF1EDF21973}"/>
+              </a:ext>
+            </a:extLst>
+          </p:cNvPr>
+          <p:cNvSpPr txBox="1"/>
+          <p:nvPr/>
+        </p:nvSpPr>
+        <p:spPr>
+          <a:xfrm>
+            <a:off x="2542937" y="2449964"/>
+            <a:ext cx="2346960" cy="369332"/>
+          </a:xfrm>
+          <a:prstGeom prst="rect">
+            <a:avLst/>
+          </a:prstGeom>
+          <a:noFill/>
+        </p:spPr>
+        <p:txBody>
+          <a:bodyPr wrap="square" rtlCol="0">
+            <a:spAutoFit/>
+          </a:bodyPr>
+          <a:lstStyle/>
+          <a:p>
+            <a:r>
+              <a:rPr lang="en-US" dirty="0"/>
+              <a:t>Center  block outside</a:t>
+            </a:r>
+          </a:p>
+        </p:txBody>
+      </p:sp>
+      <p:pic>
+        <p:nvPicPr>
+          <p:cNvPr id="42" name="Picture 41">
+            <a:extLst>
+              <a:ext uri="{FF2B5EF4-FFF2-40B4-BE49-F238E27FC236}">
+                <a16:creationId xmlns:a16="http://schemas.microsoft.com/office/drawing/2014/main" id="{AB21DD42-25CE-61AE-4E93-EF0BAC4F0E5E}"/>
+              </a:ext>
+            </a:extLst>
+          </p:cNvPr>
+          <p:cNvPicPr>
+            <a:picLocks noChangeAspect="1"/>
+          </p:cNvPicPr>
+          <p:nvPr/>
+        </p:nvPicPr>
+        <p:blipFill rotWithShape="1">
+          <a:blip r:embed="rId5"/>
+          <a:srcRect l="34469" t="29350" r="7295" b="24106"/>
+          <a:stretch/>
+        </p:blipFill>
+        <p:spPr>
+          <a:xfrm>
+            <a:off x="194580" y="4043680"/>
+            <a:ext cx="2972619" cy="1800997"/>
+          </a:xfrm>
+          <a:prstGeom prst="rect">
+            <a:avLst/>
+          </a:prstGeom>
+        </p:spPr>
+      </p:pic>
+      <p:pic>
+        <p:nvPicPr>
+          <p:cNvPr id="44" name="Picture 43">
+            <a:extLst>
+              <a:ext uri="{FF2B5EF4-FFF2-40B4-BE49-F238E27FC236}">
+                <a16:creationId xmlns:a16="http://schemas.microsoft.com/office/drawing/2014/main" id="{055E312A-F696-E891-6731-4C4ED8757B04}"/>
+              </a:ext>
+            </a:extLst>
+          </p:cNvPr>
+          <p:cNvPicPr>
+            <a:picLocks noChangeAspect="1"/>
+          </p:cNvPicPr>
+          <p:nvPr/>
+        </p:nvPicPr>
+        <p:blipFill>
+          <a:blip r:embed="rId6"/>
+          <a:stretch>
+            <a:fillRect/>
+          </a:stretch>
+        </p:blipFill>
+        <p:spPr>
+          <a:xfrm>
+            <a:off x="7659802" y="3439899"/>
+            <a:ext cx="4228830" cy="1798875"/>
+          </a:xfrm>
+          <a:prstGeom prst="rect">
+            <a:avLst/>
+          </a:prstGeom>
+        </p:spPr>
+      </p:pic>
+      <p:pic>
+        <p:nvPicPr>
+          <p:cNvPr id="46" name="Picture 45">
+            <a:extLst>
+              <a:ext uri="{FF2B5EF4-FFF2-40B4-BE49-F238E27FC236}">
+                <a16:creationId xmlns:a16="http://schemas.microsoft.com/office/drawing/2014/main" id="{CB5ABC88-DA2F-3977-C083-786BE58479E6}"/>
+              </a:ext>
+            </a:extLst>
+          </p:cNvPr>
+          <p:cNvPicPr>
+            <a:picLocks noChangeAspect="1"/>
+          </p:cNvPicPr>
+          <p:nvPr/>
+        </p:nvPicPr>
+        <p:blipFill>
+          <a:blip r:embed="rId7"/>
+          <a:stretch>
+            <a:fillRect/>
+          </a:stretch>
+        </p:blipFill>
+        <p:spPr>
+          <a:xfrm>
+            <a:off x="8372323" y="1018450"/>
+            <a:ext cx="3668165" cy="2020332"/>
           </a:xfrm>
           <a:prstGeom prst="rect">
             <a:avLst/>
